--- a/문서/MySQL/2024-02-13 MySQL.pptx
+++ b/문서/MySQL/2024-02-13 MySQL.pptx
@@ -5,7 +5,7 @@
     <p:sldMasterId id="2147483648" r:id="rId1"/>
   </p:sldMasterIdLst>
   <p:handoutMasterIdLst>
-    <p:handoutMasterId r:id="rId31"/>
+    <p:handoutMasterId r:id="rId34"/>
   </p:handoutMasterIdLst>
   <p:sldIdLst>
     <p:sldId id="256" r:id="rId2"/>
@@ -37,6 +37,9 @@
     <p:sldId id="291" r:id="rId28"/>
     <p:sldId id="292" r:id="rId29"/>
     <p:sldId id="293" r:id="rId30"/>
+    <p:sldId id="295" r:id="rId31"/>
+    <p:sldId id="296" r:id="rId32"/>
+    <p:sldId id="297" r:id="rId33"/>
   </p:sldIdLst>
   <p:sldSz cx="12192000" cy="6858000"/>
   <p:notesSz cx="6858000" cy="9144000"/>
@@ -240,7 +243,7 @@
           <a:p>
             <a:fld id="{6E1B748D-0DE2-47A6-B7CE-0EBEE4719426}" type="datetimeFigureOut">
               <a:rPr lang="ko-KR" altLang="en-US" smtClean="0"/>
-              <a:t>2024-02-21</a:t>
+              <a:t>2024-02-23</a:t>
             </a:fld>
             <a:endParaRPr lang="ko-KR" altLang="en-US"/>
           </a:p>
@@ -482,7 +485,7 @@
           <a:p>
             <a:fld id="{691AD22F-1C61-4D4F-942E-6CE01E4D9821}" type="datetimeFigureOut">
               <a:rPr lang="ko-KR" altLang="en-US" smtClean="0"/>
-              <a:t>2024-02-21</a:t>
+              <a:t>2024-02-23</a:t>
             </a:fld>
             <a:endParaRPr lang="ko-KR" altLang="en-US"/>
           </a:p>
@@ -680,7 +683,7 @@
           <a:p>
             <a:fld id="{691AD22F-1C61-4D4F-942E-6CE01E4D9821}" type="datetimeFigureOut">
               <a:rPr lang="ko-KR" altLang="en-US" smtClean="0"/>
-              <a:t>2024-02-21</a:t>
+              <a:t>2024-02-23</a:t>
             </a:fld>
             <a:endParaRPr lang="ko-KR" altLang="en-US"/>
           </a:p>
@@ -888,7 +891,7 @@
           <a:p>
             <a:fld id="{691AD22F-1C61-4D4F-942E-6CE01E4D9821}" type="datetimeFigureOut">
               <a:rPr lang="ko-KR" altLang="en-US" smtClean="0"/>
-              <a:t>2024-02-21</a:t>
+              <a:t>2024-02-23</a:t>
             </a:fld>
             <a:endParaRPr lang="ko-KR" altLang="en-US"/>
           </a:p>
@@ -1086,7 +1089,7 @@
           <a:p>
             <a:fld id="{691AD22F-1C61-4D4F-942E-6CE01E4D9821}" type="datetimeFigureOut">
               <a:rPr lang="ko-KR" altLang="en-US" smtClean="0"/>
-              <a:t>2024-02-21</a:t>
+              <a:t>2024-02-23</a:t>
             </a:fld>
             <a:endParaRPr lang="ko-KR" altLang="en-US"/>
           </a:p>
@@ -1361,7 +1364,7 @@
           <a:p>
             <a:fld id="{691AD22F-1C61-4D4F-942E-6CE01E4D9821}" type="datetimeFigureOut">
               <a:rPr lang="ko-KR" altLang="en-US" smtClean="0"/>
-              <a:t>2024-02-21</a:t>
+              <a:t>2024-02-23</a:t>
             </a:fld>
             <a:endParaRPr lang="ko-KR" altLang="en-US"/>
           </a:p>
@@ -1626,7 +1629,7 @@
           <a:p>
             <a:fld id="{691AD22F-1C61-4D4F-942E-6CE01E4D9821}" type="datetimeFigureOut">
               <a:rPr lang="ko-KR" altLang="en-US" smtClean="0"/>
-              <a:t>2024-02-21</a:t>
+              <a:t>2024-02-23</a:t>
             </a:fld>
             <a:endParaRPr lang="ko-KR" altLang="en-US"/>
           </a:p>
@@ -2038,7 +2041,7 @@
           <a:p>
             <a:fld id="{691AD22F-1C61-4D4F-942E-6CE01E4D9821}" type="datetimeFigureOut">
               <a:rPr lang="ko-KR" altLang="en-US" smtClean="0"/>
-              <a:t>2024-02-21</a:t>
+              <a:t>2024-02-23</a:t>
             </a:fld>
             <a:endParaRPr lang="ko-KR" altLang="en-US"/>
           </a:p>
@@ -2179,7 +2182,7 @@
           <a:p>
             <a:fld id="{691AD22F-1C61-4D4F-942E-6CE01E4D9821}" type="datetimeFigureOut">
               <a:rPr lang="ko-KR" altLang="en-US" smtClean="0"/>
-              <a:t>2024-02-21</a:t>
+              <a:t>2024-02-23</a:t>
             </a:fld>
             <a:endParaRPr lang="ko-KR" altLang="en-US"/>
           </a:p>
@@ -2292,7 +2295,7 @@
           <a:p>
             <a:fld id="{691AD22F-1C61-4D4F-942E-6CE01E4D9821}" type="datetimeFigureOut">
               <a:rPr lang="ko-KR" altLang="en-US" smtClean="0"/>
-              <a:t>2024-02-21</a:t>
+              <a:t>2024-02-23</a:t>
             </a:fld>
             <a:endParaRPr lang="ko-KR" altLang="en-US"/>
           </a:p>
@@ -2603,7 +2606,7 @@
           <a:p>
             <a:fld id="{691AD22F-1C61-4D4F-942E-6CE01E4D9821}" type="datetimeFigureOut">
               <a:rPr lang="ko-KR" altLang="en-US" smtClean="0"/>
-              <a:t>2024-02-21</a:t>
+              <a:t>2024-02-23</a:t>
             </a:fld>
             <a:endParaRPr lang="ko-KR" altLang="en-US"/>
           </a:p>
@@ -2891,7 +2894,7 @@
           <a:p>
             <a:fld id="{691AD22F-1C61-4D4F-942E-6CE01E4D9821}" type="datetimeFigureOut">
               <a:rPr lang="ko-KR" altLang="en-US" smtClean="0"/>
-              <a:t>2024-02-21</a:t>
+              <a:t>2024-02-23</a:t>
             </a:fld>
             <a:endParaRPr lang="ko-KR" altLang="en-US"/>
           </a:p>
@@ -3132,7 +3135,7 @@
           <a:p>
             <a:fld id="{691AD22F-1C61-4D4F-942E-6CE01E4D9821}" type="datetimeFigureOut">
               <a:rPr lang="ko-KR" altLang="en-US" smtClean="0"/>
-              <a:t>2024-02-21</a:t>
+              <a:t>2024-02-23</a:t>
             </a:fld>
             <a:endParaRPr lang="ko-KR" altLang="en-US"/>
           </a:p>
@@ -10845,35 +10848,427 @@
           <a:bodyPr/>
           <a:lstStyle/>
           <a:p>
-            <a:endParaRPr lang="ko-KR" altLang="en-US"/>
+            <a:r>
+              <a:rPr lang="ko-KR" altLang="en-US" dirty="0"/>
+              <a:t>제약조건</a:t>
+            </a:r>
+            <a:r>
+              <a:rPr lang="en-US" altLang="ko-KR" dirty="0"/>
+              <a:t>(Constraint)</a:t>
+            </a:r>
+            <a:endParaRPr lang="ko-KR" altLang="en-US" dirty="0"/>
           </a:p>
         </p:txBody>
       </p:sp>
-      <p:sp>
-        <p:nvSpPr>
-          <p:cNvPr id="3" name="내용 개체 틀 2">
+      <p:graphicFrame>
+        <p:nvGraphicFramePr>
+          <p:cNvPr id="4" name="표 4">
             <a:extLst>
               <a:ext uri="{FF2B5EF4-FFF2-40B4-BE49-F238E27FC236}">
-                <a16:creationId xmlns:a16="http://schemas.microsoft.com/office/drawing/2014/main" id="{7800B54A-D99A-441F-AECD-CA0B2C776736}"/>
+                <a16:creationId xmlns:a16="http://schemas.microsoft.com/office/drawing/2014/main" id="{75D1B31A-3897-4D9E-8BA1-405CC76C8538}"/>
               </a:ext>
             </a:extLst>
           </p:cNvPr>
-          <p:cNvSpPr>
-            <a:spLocks noGrp="1"/>
-          </p:cNvSpPr>
+          <p:cNvGraphicFramePr>
+            <a:graphicFrameLocks noGrp="1"/>
+          </p:cNvGraphicFramePr>
           <p:nvPr>
-            <p:ph idx="1"/>
+            <p:extLst>
+              <p:ext uri="{D42A27DB-BD31-4B8C-83A1-F6EECF244321}">
+                <p14:modId xmlns:p14="http://schemas.microsoft.com/office/powerpoint/2010/main" val="1896202039"/>
+              </p:ext>
+            </p:extLst>
           </p:nvPr>
-        </p:nvSpPr>
-        <p:spPr/>
-        <p:txBody>
-          <a:bodyPr/>
-          <a:lstStyle/>
-          <a:p>
-            <a:endParaRPr lang="ko-KR" altLang="en-US"/>
-          </a:p>
-        </p:txBody>
-      </p:sp>
+        </p:nvGraphicFramePr>
+        <p:xfrm>
+          <a:off x="1427993" y="1690688"/>
+          <a:ext cx="9519640" cy="3862824"/>
+        </p:xfrm>
+        <a:graphic>
+          <a:graphicData uri="http://schemas.openxmlformats.org/drawingml/2006/table">
+            <a:tbl>
+              <a:tblPr firstRow="1" bandRow="1">
+                <a:tableStyleId>{5C22544A-7EE6-4342-B048-85BDC9FD1C3A}</a:tableStyleId>
+              </a:tblPr>
+              <a:tblGrid>
+                <a:gridCol w="2379910">
+                  <a:extLst>
+                    <a:ext uri="{9D8B030D-6E8A-4147-A177-3AD203B41FA5}">
+                      <a16:colId xmlns:a16="http://schemas.microsoft.com/office/drawing/2014/main" val="1360777153"/>
+                    </a:ext>
+                  </a:extLst>
+                </a:gridCol>
+                <a:gridCol w="7139730">
+                  <a:extLst>
+                    <a:ext uri="{9D8B030D-6E8A-4147-A177-3AD203B41FA5}">
+                      <a16:colId xmlns:a16="http://schemas.microsoft.com/office/drawing/2014/main" val="1415494497"/>
+                    </a:ext>
+                  </a:extLst>
+                </a:gridCol>
+              </a:tblGrid>
+              <a:tr h="482853">
+                <a:tc>
+                  <a:txBody>
+                    <a:bodyPr/>
+                    <a:lstStyle/>
+                    <a:p>
+                      <a:pPr latinLnBrk="1"/>
+                      <a:r>
+                        <a:rPr lang="en-US" altLang="ko-KR" dirty="0"/>
+                        <a:t>Not</a:t>
+                      </a:r>
+                      <a:r>
+                        <a:rPr lang="ko-KR" altLang="en-US" dirty="0"/>
+                        <a:t> </a:t>
+                      </a:r>
+                      <a:r>
+                        <a:rPr lang="en-US" altLang="ko-KR" dirty="0"/>
+                        <a:t>NULL</a:t>
+                      </a:r>
+                      <a:endParaRPr lang="ko-KR" altLang="en-US" dirty="0"/>
+                    </a:p>
+                  </a:txBody>
+                  <a:tcPr/>
+                </a:tc>
+                <a:tc>
+                  <a:txBody>
+                    <a:bodyPr/>
+                    <a:lstStyle/>
+                    <a:p>
+                      <a:pPr latinLnBrk="1"/>
+                      <a:r>
+                        <a:rPr lang="ko-KR" altLang="en-US" dirty="0"/>
+                        <a:t>데이터가 </a:t>
+                      </a:r>
+                      <a:r>
+                        <a:rPr lang="en-US" altLang="ko-KR" dirty="0"/>
+                        <a:t>NULL</a:t>
+                      </a:r>
+                      <a:r>
+                        <a:rPr lang="ko-KR" altLang="en-US" dirty="0"/>
+                        <a:t>값을 </a:t>
+                      </a:r>
+                      <a:r>
+                        <a:rPr lang="ko-KR" altLang="en-US" dirty="0" err="1"/>
+                        <a:t>받아들이지않음</a:t>
+                      </a:r>
+                      <a:endParaRPr lang="ko-KR" altLang="en-US" dirty="0"/>
+                    </a:p>
+                  </a:txBody>
+                  <a:tcPr/>
+                </a:tc>
+                <a:extLst>
+                  <a:ext uri="{0D108BD9-81ED-4DB2-BD59-A6C34878D82A}">
+                    <a16:rowId xmlns:a16="http://schemas.microsoft.com/office/drawing/2014/main" val="1287431909"/>
+                  </a:ext>
+                </a:extLst>
+              </a:tr>
+              <a:tr h="482853">
+                <a:tc>
+                  <a:txBody>
+                    <a:bodyPr/>
+                    <a:lstStyle/>
+                    <a:p>
+                      <a:pPr latinLnBrk="1"/>
+                      <a:r>
+                        <a:rPr lang="en-US" altLang="ko-KR" dirty="0"/>
+                        <a:t>UNIQUE</a:t>
+                      </a:r>
+                      <a:endParaRPr lang="ko-KR" altLang="en-US" dirty="0"/>
+                    </a:p>
+                  </a:txBody>
+                  <a:tcPr/>
+                </a:tc>
+                <a:tc>
+                  <a:txBody>
+                    <a:bodyPr/>
+                    <a:lstStyle/>
+                    <a:p>
+                      <a:pPr latinLnBrk="1"/>
+                      <a:r>
+                        <a:rPr lang="ko-KR" altLang="en-US" dirty="0"/>
+                        <a:t>데이터가 동일한 값을 입력하면 </a:t>
+                      </a:r>
+                      <a:r>
+                        <a:rPr lang="ko-KR" altLang="en-US" dirty="0" err="1"/>
+                        <a:t>받아들이지않음</a:t>
+                      </a:r>
+                      <a:endParaRPr lang="ko-KR" altLang="en-US" dirty="0"/>
+                    </a:p>
+                  </a:txBody>
+                  <a:tcPr/>
+                </a:tc>
+                <a:extLst>
+                  <a:ext uri="{0D108BD9-81ED-4DB2-BD59-A6C34878D82A}">
+                    <a16:rowId xmlns:a16="http://schemas.microsoft.com/office/drawing/2014/main" val="195096112"/>
+                  </a:ext>
+                </a:extLst>
+              </a:tr>
+              <a:tr h="482853">
+                <a:tc>
+                  <a:txBody>
+                    <a:bodyPr/>
+                    <a:lstStyle/>
+                    <a:p>
+                      <a:pPr latinLnBrk="1"/>
+                      <a:r>
+                        <a:rPr lang="en-US" altLang="ko-KR" dirty="0"/>
+                        <a:t>PRIMARY KEY</a:t>
+                      </a:r>
+                      <a:endParaRPr lang="ko-KR" altLang="en-US" dirty="0"/>
+                    </a:p>
+                  </a:txBody>
+                  <a:tcPr/>
+                </a:tc>
+                <a:tc>
+                  <a:txBody>
+                    <a:bodyPr/>
+                    <a:lstStyle/>
+                    <a:p>
+                      <a:pPr latinLnBrk="1"/>
+                      <a:r>
+                        <a:rPr lang="ko-KR" altLang="en-US" dirty="0" err="1"/>
+                        <a:t>기본키</a:t>
+                      </a:r>
+                      <a:r>
+                        <a:rPr lang="ko-KR" altLang="en-US" dirty="0"/>
+                        <a:t> </a:t>
+                      </a:r>
+                      <a:r>
+                        <a:rPr lang="en-US" altLang="ko-KR" dirty="0"/>
+                        <a:t>(NOT NULL . UNIQUE)</a:t>
+                      </a:r>
+                      <a:endParaRPr lang="ko-KR" altLang="en-US" dirty="0"/>
+                    </a:p>
+                  </a:txBody>
+                  <a:tcPr/>
+                </a:tc>
+                <a:extLst>
+                  <a:ext uri="{0D108BD9-81ED-4DB2-BD59-A6C34878D82A}">
+                    <a16:rowId xmlns:a16="http://schemas.microsoft.com/office/drawing/2014/main" val="347981326"/>
+                  </a:ext>
+                </a:extLst>
+              </a:tr>
+              <a:tr h="482853">
+                <a:tc>
+                  <a:txBody>
+                    <a:bodyPr/>
+                    <a:lstStyle/>
+                    <a:p>
+                      <a:pPr latinLnBrk="1"/>
+                      <a:r>
+                        <a:rPr lang="en-US" altLang="ko-KR" dirty="0"/>
+                        <a:t>FOREIGN KEY</a:t>
+                      </a:r>
+                      <a:endParaRPr lang="ko-KR" altLang="en-US" dirty="0"/>
+                    </a:p>
+                  </a:txBody>
+                  <a:tcPr/>
+                </a:tc>
+                <a:tc>
+                  <a:txBody>
+                    <a:bodyPr/>
+                    <a:lstStyle/>
+                    <a:p>
+                      <a:pPr latinLnBrk="1"/>
+                      <a:r>
+                        <a:rPr lang="ko-KR" altLang="en-US" dirty="0" err="1"/>
+                        <a:t>외래키</a:t>
+                      </a:r>
+                      <a:endParaRPr lang="ko-KR" altLang="en-US" dirty="0"/>
+                    </a:p>
+                  </a:txBody>
+                  <a:tcPr/>
+                </a:tc>
+                <a:extLst>
+                  <a:ext uri="{0D108BD9-81ED-4DB2-BD59-A6C34878D82A}">
+                    <a16:rowId xmlns:a16="http://schemas.microsoft.com/office/drawing/2014/main" val="4121734985"/>
+                  </a:ext>
+                </a:extLst>
+              </a:tr>
+              <a:tr h="482853">
+                <a:tc>
+                  <a:txBody>
+                    <a:bodyPr/>
+                    <a:lstStyle/>
+                    <a:p>
+                      <a:pPr latinLnBrk="1"/>
+                      <a:r>
+                        <a:rPr lang="en-US" altLang="ko-KR" dirty="0"/>
+                        <a:t>DEFAULT</a:t>
+                      </a:r>
+                      <a:endParaRPr lang="ko-KR" altLang="en-US" dirty="0"/>
+                    </a:p>
+                  </a:txBody>
+                  <a:tcPr/>
+                </a:tc>
+                <a:tc>
+                  <a:txBody>
+                    <a:bodyPr/>
+                    <a:lstStyle/>
+                    <a:p>
+                      <a:pPr latinLnBrk="1"/>
+                      <a:r>
+                        <a:rPr lang="ko-KR" altLang="en-US" dirty="0"/>
+                        <a:t>컬럼 내용이 입력되지않았을 경우 기본값을 입력</a:t>
+                      </a:r>
+                    </a:p>
+                  </a:txBody>
+                  <a:tcPr/>
+                </a:tc>
+                <a:extLst>
+                  <a:ext uri="{0D108BD9-81ED-4DB2-BD59-A6C34878D82A}">
+                    <a16:rowId xmlns:a16="http://schemas.microsoft.com/office/drawing/2014/main" val="2303745830"/>
+                  </a:ext>
+                </a:extLst>
+              </a:tr>
+              <a:tr h="482853">
+                <a:tc>
+                  <a:txBody>
+                    <a:bodyPr/>
+                    <a:lstStyle/>
+                    <a:p>
+                      <a:pPr latinLnBrk="1"/>
+                      <a:r>
+                        <a:rPr lang="en-US" altLang="ko-KR" dirty="0"/>
+                        <a:t>ETC</a:t>
+                      </a:r>
+                      <a:endParaRPr lang="ko-KR" altLang="en-US" dirty="0"/>
+                    </a:p>
+                  </a:txBody>
+                  <a:tcPr/>
+                </a:tc>
+                <a:tc>
+                  <a:txBody>
+                    <a:bodyPr/>
+                    <a:lstStyle/>
+                    <a:p>
+                      <a:pPr latinLnBrk="1"/>
+                      <a:r>
+                        <a:rPr lang="en-US" altLang="ko-KR" dirty="0"/>
+                        <a:t>AUTO _INCREMENT (</a:t>
+                      </a:r>
+                      <a:r>
+                        <a:rPr lang="ko-KR" altLang="en-US" dirty="0"/>
+                        <a:t>자동증가</a:t>
+                      </a:r>
+                      <a:r>
+                        <a:rPr lang="en-US" altLang="ko-KR" dirty="0"/>
+                        <a:t>)</a:t>
+                      </a:r>
+                      <a:endParaRPr lang="ko-KR" altLang="en-US" dirty="0"/>
+                    </a:p>
+                  </a:txBody>
+                  <a:tcPr/>
+                </a:tc>
+                <a:extLst>
+                  <a:ext uri="{0D108BD9-81ED-4DB2-BD59-A6C34878D82A}">
+                    <a16:rowId xmlns:a16="http://schemas.microsoft.com/office/drawing/2014/main" val="1750112663"/>
+                  </a:ext>
+                </a:extLst>
+              </a:tr>
+              <a:tr h="482853">
+                <a:tc>
+                  <a:txBody>
+                    <a:bodyPr/>
+                    <a:lstStyle/>
+                    <a:p>
+                      <a:pPr latinLnBrk="1"/>
+                      <a:r>
+                        <a:rPr lang="en-US" altLang="ko-KR" dirty="0"/>
+                        <a:t>CHECK</a:t>
+                      </a:r>
+                      <a:endParaRPr lang="ko-KR" altLang="en-US" dirty="0"/>
+                    </a:p>
+                  </a:txBody>
+                  <a:tcPr/>
+                </a:tc>
+                <a:tc>
+                  <a:txBody>
+                    <a:bodyPr/>
+                    <a:lstStyle/>
+                    <a:p>
+                      <a:pPr latinLnBrk="1"/>
+                      <a:r>
+                        <a:rPr lang="ko-KR" altLang="en-US" dirty="0" err="1"/>
+                        <a:t>입력값</a:t>
+                      </a:r>
+                      <a:r>
+                        <a:rPr lang="ko-KR" altLang="en-US" dirty="0"/>
+                        <a:t> 체크 </a:t>
+                      </a:r>
+                      <a:r>
+                        <a:rPr lang="en-US" altLang="ko-KR" dirty="0"/>
+                        <a:t>( </a:t>
+                      </a:r>
+                      <a:r>
+                        <a:rPr lang="ko-KR" altLang="en-US" dirty="0"/>
+                        <a:t>예 </a:t>
+                      </a:r>
+                      <a:r>
+                        <a:rPr lang="en-US" altLang="ko-KR" dirty="0"/>
+                        <a:t>: AGE &gt;= 0) // </a:t>
+                      </a:r>
+                      <a:r>
+                        <a:rPr lang="ko-KR" altLang="en-US" dirty="0"/>
+                        <a:t>단 </a:t>
+                      </a:r>
+                      <a:r>
+                        <a:rPr lang="en-US" altLang="ko-KR" dirty="0"/>
+                        <a:t>MYSQL</a:t>
+                      </a:r>
+                      <a:r>
+                        <a:rPr lang="ko-KR" altLang="en-US" dirty="0"/>
+                        <a:t>은 </a:t>
+                      </a:r>
+                      <a:r>
+                        <a:rPr lang="ko-KR" altLang="en-US" dirty="0" err="1"/>
+                        <a:t>동작하지않음</a:t>
+                      </a:r>
+                      <a:endParaRPr lang="ko-KR" altLang="en-US" dirty="0"/>
+                    </a:p>
+                  </a:txBody>
+                  <a:tcPr/>
+                </a:tc>
+                <a:extLst>
+                  <a:ext uri="{0D108BD9-81ED-4DB2-BD59-A6C34878D82A}">
+                    <a16:rowId xmlns:a16="http://schemas.microsoft.com/office/drawing/2014/main" val="3154096667"/>
+                  </a:ext>
+                </a:extLst>
+              </a:tr>
+              <a:tr h="482853">
+                <a:tc>
+                  <a:txBody>
+                    <a:bodyPr/>
+                    <a:lstStyle/>
+                    <a:p>
+                      <a:pPr latinLnBrk="1"/>
+                      <a:endParaRPr lang="ko-KR" altLang="en-US"/>
+                    </a:p>
+                  </a:txBody>
+                  <a:tcPr/>
+                </a:tc>
+                <a:tc>
+                  <a:txBody>
+                    <a:bodyPr/>
+                    <a:lstStyle/>
+                    <a:p>
+                      <a:pPr latinLnBrk="1"/>
+                      <a:endParaRPr lang="ko-KR" altLang="en-US" dirty="0"/>
+                    </a:p>
+                  </a:txBody>
+                  <a:tcPr/>
+                </a:tc>
+                <a:extLst>
+                  <a:ext uri="{0D108BD9-81ED-4DB2-BD59-A6C34878D82A}">
+                    <a16:rowId xmlns:a16="http://schemas.microsoft.com/office/drawing/2014/main" val="3131252927"/>
+                  </a:ext>
+                </a:extLst>
+              </a:tr>
+            </a:tbl>
+          </a:graphicData>
+        </a:graphic>
+      </p:graphicFrame>
     </p:spTree>
     <p:extLst>
       <p:ext uri="{BB962C8B-B14F-4D97-AF65-F5344CB8AC3E}">
@@ -11183,6 +11578,650 @@
     <p:extLst>
       <p:ext uri="{BB962C8B-B14F-4D97-AF65-F5344CB8AC3E}">
         <p14:creationId xmlns:p14="http://schemas.microsoft.com/office/powerpoint/2010/main" val="3267005157"/>
+      </p:ext>
+    </p:extLst>
+  </p:cSld>
+  <p:clrMapOvr>
+    <a:masterClrMapping/>
+  </p:clrMapOvr>
+</p:sld>
+</file>
+
+<file path=ppt/slides/slide30.xml><?xml version="1.0" encoding="utf-8"?>
+<p:sld xmlns:a="http://schemas.openxmlformats.org/drawingml/2006/main" xmlns:r="http://schemas.openxmlformats.org/officeDocument/2006/relationships" xmlns:p="http://schemas.openxmlformats.org/presentationml/2006/main">
+  <p:cSld>
+    <p:spTree>
+      <p:nvGrpSpPr>
+        <p:cNvPr id="1" name=""/>
+        <p:cNvGrpSpPr/>
+        <p:nvPr/>
+      </p:nvGrpSpPr>
+      <p:grpSpPr>
+        <a:xfrm>
+          <a:off x="0" y="0"/>
+          <a:ext cx="0" cy="0"/>
+          <a:chOff x="0" y="0"/>
+          <a:chExt cx="0" cy="0"/>
+        </a:xfrm>
+      </p:grpSpPr>
+      <p:sp>
+        <p:nvSpPr>
+          <p:cNvPr id="3" name="내용 개체 틀 2">
+            <a:extLst>
+              <a:ext uri="{FF2B5EF4-FFF2-40B4-BE49-F238E27FC236}">
+                <a16:creationId xmlns:a16="http://schemas.microsoft.com/office/drawing/2014/main" id="{41A08D4F-0EA4-42A3-933A-6B2EE07B0DB2}"/>
+              </a:ext>
+            </a:extLst>
+          </p:cNvPr>
+          <p:cNvSpPr>
+            <a:spLocks noGrp="1"/>
+          </p:cNvSpPr>
+          <p:nvPr>
+            <p:ph idx="1"/>
+          </p:nvPr>
+        </p:nvSpPr>
+        <p:spPr>
+          <a:xfrm>
+            <a:off x="838200" y="788565"/>
+            <a:ext cx="10515600" cy="5388398"/>
+          </a:xfrm>
+        </p:spPr>
+        <p:txBody>
+          <a:bodyPr>
+            <a:normAutofit/>
+          </a:bodyPr>
+          <a:lstStyle/>
+          <a:p>
+            <a:r>
+              <a:rPr lang="en-US" altLang="ko-KR" sz="1800" dirty="0" err="1"/>
+              <a:t>Business_card</a:t>
+            </a:r>
+            <a:r>
+              <a:rPr lang="en-US" altLang="ko-KR" sz="1800" dirty="0"/>
+              <a:t> </a:t>
+            </a:r>
+            <a:r>
+              <a:rPr lang="ko-KR" altLang="en-US" sz="1800" dirty="0"/>
+              <a:t>라는 테이블을 만들고 </a:t>
+            </a:r>
+            <a:r>
+              <a:rPr lang="en-US" altLang="ko-KR" sz="1800" dirty="0"/>
+              <a:t>name </a:t>
+            </a:r>
+            <a:r>
+              <a:rPr lang="ko-KR" altLang="en-US" sz="1800" dirty="0"/>
+              <a:t>컬럼을 빈 값을 허용 하지 않은 컬럼으로 선언 </a:t>
+            </a:r>
+            <a:endParaRPr lang="en-US" altLang="ko-KR" sz="1800" dirty="0"/>
+          </a:p>
+          <a:p>
+            <a:r>
+              <a:rPr lang="en-US" altLang="ko-KR" sz="1800" dirty="0"/>
+              <a:t>Address,</a:t>
+            </a:r>
+            <a:r>
+              <a:rPr lang="ko-KR" altLang="en-US" sz="1800" dirty="0"/>
+              <a:t> </a:t>
+            </a:r>
+            <a:r>
+              <a:rPr lang="en-US" altLang="ko-KR" sz="1800" dirty="0"/>
+              <a:t>telephone</a:t>
+            </a:r>
+            <a:r>
+              <a:rPr lang="ko-KR" altLang="en-US" sz="1800" dirty="0"/>
+              <a:t> 컬럼을 추가해 내용을 입력해보자</a:t>
+            </a:r>
+            <a:endParaRPr lang="en-US" altLang="ko-KR" sz="1800" dirty="0"/>
+          </a:p>
+          <a:p>
+            <a:endParaRPr lang="en-US" altLang="ko-KR" sz="1800" dirty="0"/>
+          </a:p>
+          <a:p>
+            <a:r>
+              <a:rPr lang="en-US" altLang="ko-KR" sz="1800" dirty="0"/>
+              <a:t>Create table </a:t>
+            </a:r>
+            <a:r>
+              <a:rPr lang="en-US" altLang="ko-KR" sz="1800" dirty="0" err="1"/>
+              <a:t>business_card</a:t>
+            </a:r>
+            <a:r>
+              <a:rPr lang="en-US" altLang="ko-KR" sz="1800" dirty="0"/>
+              <a:t>(</a:t>
+            </a:r>
+          </a:p>
+          <a:p>
+            <a:r>
+              <a:rPr lang="en-US" altLang="ko-KR" sz="1800" dirty="0"/>
+              <a:t>   name varchar(255) not null,</a:t>
+            </a:r>
+          </a:p>
+          <a:p>
+            <a:r>
+              <a:rPr lang="en-US" altLang="ko-KR" sz="1800" dirty="0"/>
+              <a:t>   address varchar(255),</a:t>
+            </a:r>
+          </a:p>
+          <a:p>
+            <a:r>
+              <a:rPr lang="en-US" altLang="ko-KR" sz="1800" dirty="0"/>
+              <a:t>   telephone char(13)</a:t>
+            </a:r>
+            <a:endParaRPr lang="ko-KR" altLang="en-US" sz="1800" dirty="0"/>
+          </a:p>
+        </p:txBody>
+      </p:sp>
+    </p:spTree>
+    <p:extLst>
+      <p:ext uri="{BB962C8B-B14F-4D97-AF65-F5344CB8AC3E}">
+        <p14:creationId xmlns:p14="http://schemas.microsoft.com/office/powerpoint/2010/main" val="2383774422"/>
+      </p:ext>
+    </p:extLst>
+  </p:cSld>
+  <p:clrMapOvr>
+    <a:masterClrMapping/>
+  </p:clrMapOvr>
+</p:sld>
+</file>
+
+<file path=ppt/slides/slide31.xml><?xml version="1.0" encoding="utf-8"?>
+<p:sld xmlns:a="http://schemas.openxmlformats.org/drawingml/2006/main" xmlns:r="http://schemas.openxmlformats.org/officeDocument/2006/relationships" xmlns:p="http://schemas.openxmlformats.org/presentationml/2006/main">
+  <p:cSld>
+    <p:spTree>
+      <p:nvGrpSpPr>
+        <p:cNvPr id="1" name=""/>
+        <p:cNvGrpSpPr/>
+        <p:nvPr/>
+      </p:nvGrpSpPr>
+      <p:grpSpPr>
+        <a:xfrm>
+          <a:off x="0" y="0"/>
+          <a:ext cx="0" cy="0"/>
+          <a:chOff x="0" y="0"/>
+          <a:chExt cx="0" cy="0"/>
+        </a:xfrm>
+      </p:grpSpPr>
+      <p:sp>
+        <p:nvSpPr>
+          <p:cNvPr id="2" name="제목 1">
+            <a:extLst>
+              <a:ext uri="{FF2B5EF4-FFF2-40B4-BE49-F238E27FC236}">
+                <a16:creationId xmlns:a16="http://schemas.microsoft.com/office/drawing/2014/main" id="{FBA920B0-EF16-43DF-B0A0-6CB5B0635534}"/>
+              </a:ext>
+            </a:extLst>
+          </p:cNvPr>
+          <p:cNvSpPr>
+            <a:spLocks noGrp="1"/>
+          </p:cNvSpPr>
+          <p:nvPr>
+            <p:ph type="title"/>
+          </p:nvPr>
+        </p:nvSpPr>
+        <p:spPr/>
+        <p:txBody>
+          <a:bodyPr/>
+          <a:lstStyle/>
+          <a:p>
+            <a:r>
+              <a:rPr lang="ko-KR" altLang="en-US" dirty="0"/>
+              <a:t>테이블의 수정</a:t>
+            </a:r>
+            <a:r>
+              <a:rPr lang="en-US" altLang="ko-KR" dirty="0"/>
+              <a:t>	</a:t>
+            </a:r>
+            <a:endParaRPr lang="ko-KR" altLang="en-US" dirty="0"/>
+          </a:p>
+        </p:txBody>
+      </p:sp>
+      <p:sp>
+        <p:nvSpPr>
+          <p:cNvPr id="3" name="내용 개체 틀 2">
+            <a:extLst>
+              <a:ext uri="{FF2B5EF4-FFF2-40B4-BE49-F238E27FC236}">
+                <a16:creationId xmlns:a16="http://schemas.microsoft.com/office/drawing/2014/main" id="{3FE922BB-A5B1-43C0-B426-8539B7EE0764}"/>
+              </a:ext>
+            </a:extLst>
+          </p:cNvPr>
+          <p:cNvSpPr>
+            <a:spLocks noGrp="1"/>
+          </p:cNvSpPr>
+          <p:nvPr>
+            <p:ph idx="1"/>
+          </p:nvPr>
+        </p:nvSpPr>
+        <p:spPr/>
+        <p:txBody>
+          <a:bodyPr>
+            <a:normAutofit/>
+          </a:bodyPr>
+          <a:lstStyle/>
+          <a:p>
+            <a:r>
+              <a:rPr lang="en-US" altLang="ko-KR" sz="1800" dirty="0"/>
+              <a:t>ALTER </a:t>
+            </a:r>
+            <a:r>
+              <a:rPr lang="ko-KR" altLang="en-US" sz="1800" dirty="0"/>
+              <a:t>속성추가</a:t>
+            </a:r>
+            <a:endParaRPr lang="en-US" altLang="ko-KR" sz="1800" dirty="0"/>
+          </a:p>
+          <a:p>
+            <a:r>
+              <a:rPr lang="en-US" altLang="ko-KR" sz="1800" dirty="0"/>
+              <a:t>    -ALTER TABLE </a:t>
+            </a:r>
+            <a:r>
+              <a:rPr lang="ko-KR" altLang="en-US" sz="1800" dirty="0"/>
+              <a:t>테이블 이름 </a:t>
+            </a:r>
+            <a:r>
+              <a:rPr lang="en-US" altLang="ko-KR" sz="1800" dirty="0"/>
+              <a:t>ADD </a:t>
+            </a:r>
+            <a:r>
+              <a:rPr lang="ko-KR" altLang="en-US" sz="1800" dirty="0"/>
+              <a:t>속성 이름 자료형</a:t>
+            </a:r>
+            <a:r>
+              <a:rPr lang="en-US" altLang="ko-KR" sz="1800" dirty="0"/>
+              <a:t>; (</a:t>
+            </a:r>
+            <a:r>
+              <a:rPr lang="ko-KR" altLang="en-US" sz="1800" dirty="0" err="1"/>
+              <a:t>맨뒤에</a:t>
+            </a:r>
+            <a:r>
+              <a:rPr lang="ko-KR" altLang="en-US" sz="1800" dirty="0"/>
+              <a:t> 추가</a:t>
+            </a:r>
+            <a:r>
+              <a:rPr lang="en-US" altLang="ko-KR" sz="1800" dirty="0"/>
+              <a:t>)</a:t>
+            </a:r>
+          </a:p>
+          <a:p>
+            <a:r>
+              <a:rPr lang="en-US" altLang="ko-KR" sz="1800" dirty="0"/>
+              <a:t>    -</a:t>
+            </a:r>
+            <a:r>
+              <a:rPr lang="ko-KR" altLang="en-US" sz="1800" dirty="0" err="1"/>
+              <a:t>맨앞에</a:t>
+            </a:r>
+            <a:r>
+              <a:rPr lang="ko-KR" altLang="en-US" sz="1800" dirty="0"/>
+              <a:t> 추가 </a:t>
+            </a:r>
+            <a:r>
+              <a:rPr lang="en-US" altLang="ko-KR" sz="1800" dirty="0"/>
+              <a:t>‘</a:t>
+            </a:r>
+            <a:r>
+              <a:rPr lang="ko-KR" altLang="en-US" sz="1800" dirty="0"/>
+              <a:t>자료형 </a:t>
+            </a:r>
+            <a:r>
+              <a:rPr lang="en-US" altLang="ko-KR" sz="1800" dirty="0"/>
+              <a:t>first’   (</a:t>
+            </a:r>
+            <a:r>
+              <a:rPr lang="ko-KR" altLang="en-US" sz="1800" dirty="0" err="1"/>
+              <a:t>맨앞에</a:t>
+            </a:r>
+            <a:r>
+              <a:rPr lang="ko-KR" altLang="en-US" sz="1800" dirty="0"/>
+              <a:t> 추가</a:t>
+            </a:r>
+            <a:r>
+              <a:rPr lang="en-US" altLang="ko-KR" sz="1800" dirty="0"/>
+              <a:t>)</a:t>
+            </a:r>
+          </a:p>
+          <a:p>
+            <a:r>
+              <a:rPr lang="en-US" altLang="ko-KR" sz="1800" dirty="0"/>
+              <a:t>    -</a:t>
+            </a:r>
+            <a:r>
+              <a:rPr lang="ko-KR" altLang="en-US" sz="1800" dirty="0"/>
+              <a:t>지정 컬럼 다음에 추가 </a:t>
+            </a:r>
+            <a:r>
+              <a:rPr lang="en-US" altLang="ko-KR" sz="1800" dirty="0"/>
+              <a:t>‘</a:t>
+            </a:r>
+            <a:r>
+              <a:rPr lang="ko-KR" altLang="en-US" sz="1800" dirty="0"/>
+              <a:t>자료형 </a:t>
+            </a:r>
+            <a:r>
+              <a:rPr lang="en-US" altLang="ko-KR" sz="1800" dirty="0"/>
+              <a:t>after </a:t>
+            </a:r>
+            <a:r>
+              <a:rPr lang="ko-KR" altLang="en-US" sz="1800" dirty="0"/>
+              <a:t>앞 </a:t>
+            </a:r>
+            <a:r>
+              <a:rPr lang="ko-KR" altLang="en-US" sz="1800" dirty="0" err="1"/>
+              <a:t>컬럼명</a:t>
+            </a:r>
+            <a:r>
+              <a:rPr lang="en-US" altLang="ko-KR" sz="1800" dirty="0"/>
+              <a:t>’   (</a:t>
+            </a:r>
+            <a:r>
+              <a:rPr lang="ko-KR" altLang="en-US" sz="1800" dirty="0"/>
+              <a:t>지정해서 추가</a:t>
+            </a:r>
+            <a:r>
+              <a:rPr lang="en-US" altLang="ko-KR" sz="1800" dirty="0"/>
+              <a:t>)</a:t>
+            </a:r>
+          </a:p>
+          <a:p>
+            <a:r>
+              <a:rPr lang="en-US" altLang="ko-KR" sz="1800" dirty="0"/>
+              <a:t>ALTER  </a:t>
+            </a:r>
+            <a:r>
+              <a:rPr lang="ko-KR" altLang="en-US" sz="1800" dirty="0"/>
+              <a:t>속성 변경</a:t>
+            </a:r>
+            <a:endParaRPr lang="en-US" altLang="ko-KR" sz="1800" dirty="0"/>
+          </a:p>
+          <a:p>
+            <a:r>
+              <a:rPr lang="en-US" altLang="ko-KR" sz="1800" dirty="0"/>
+              <a:t>     -ALTER TABLE </a:t>
+            </a:r>
+            <a:r>
+              <a:rPr lang="ko-KR" altLang="en-US" sz="1800" dirty="0"/>
+              <a:t>테이블 이름 </a:t>
+            </a:r>
+            <a:r>
+              <a:rPr lang="en-US" altLang="ko-KR" sz="1800" dirty="0"/>
+              <a:t>MODIFY </a:t>
+            </a:r>
+            <a:r>
+              <a:rPr lang="ko-KR" altLang="en-US" sz="1800" dirty="0"/>
+              <a:t>속성이름 바꾸고자 하는 타입</a:t>
+            </a:r>
+            <a:endParaRPr lang="en-US" altLang="ko-KR" sz="1800" dirty="0"/>
+          </a:p>
+          <a:p>
+            <a:endParaRPr lang="en-US" altLang="ko-KR" sz="1800" dirty="0"/>
+          </a:p>
+          <a:p>
+            <a:r>
+              <a:rPr lang="en-US" altLang="ko-KR" sz="1800" dirty="0"/>
+              <a:t>ALTER </a:t>
+            </a:r>
+            <a:r>
+              <a:rPr lang="ko-KR" altLang="en-US" sz="1800" dirty="0"/>
+              <a:t>속성 삭제</a:t>
+            </a:r>
+            <a:endParaRPr lang="en-US" altLang="ko-KR" sz="1800" dirty="0"/>
+          </a:p>
+          <a:p>
+            <a:r>
+              <a:rPr lang="en-US" altLang="ko-KR" sz="1800" dirty="0"/>
+              <a:t>   -ALTER TABLE </a:t>
+            </a:r>
+            <a:r>
+              <a:rPr lang="ko-KR" altLang="en-US" sz="1800" dirty="0"/>
+              <a:t>테이블 이름 </a:t>
+            </a:r>
+            <a:r>
+              <a:rPr lang="en-US" altLang="ko-KR" sz="1800" dirty="0"/>
+              <a:t>DROP COLUMN </a:t>
+            </a:r>
+            <a:r>
+              <a:rPr lang="ko-KR" altLang="en-US" sz="1800" dirty="0"/>
+              <a:t>속성이름</a:t>
+            </a:r>
+          </a:p>
+        </p:txBody>
+      </p:sp>
+    </p:spTree>
+    <p:extLst>
+      <p:ext uri="{BB962C8B-B14F-4D97-AF65-F5344CB8AC3E}">
+        <p14:creationId xmlns:p14="http://schemas.microsoft.com/office/powerpoint/2010/main" val="1179279457"/>
+      </p:ext>
+    </p:extLst>
+  </p:cSld>
+  <p:clrMapOvr>
+    <a:masterClrMapping/>
+  </p:clrMapOvr>
+</p:sld>
+</file>
+
+<file path=ppt/slides/slide32.xml><?xml version="1.0" encoding="utf-8"?>
+<p:sld xmlns:a="http://schemas.openxmlformats.org/drawingml/2006/main" xmlns:r="http://schemas.openxmlformats.org/officeDocument/2006/relationships" xmlns:p="http://schemas.openxmlformats.org/presentationml/2006/main">
+  <p:cSld>
+    <p:spTree>
+      <p:nvGrpSpPr>
+        <p:cNvPr id="1" name=""/>
+        <p:cNvGrpSpPr/>
+        <p:nvPr/>
+      </p:nvGrpSpPr>
+      <p:grpSpPr>
+        <a:xfrm>
+          <a:off x="0" y="0"/>
+          <a:ext cx="0" cy="0"/>
+          <a:chOff x="0" y="0"/>
+          <a:chExt cx="0" cy="0"/>
+        </a:xfrm>
+      </p:grpSpPr>
+      <p:sp>
+        <p:nvSpPr>
+          <p:cNvPr id="3" name="내용 개체 틀 2">
+            <a:extLst>
+              <a:ext uri="{FF2B5EF4-FFF2-40B4-BE49-F238E27FC236}">
+                <a16:creationId xmlns:a16="http://schemas.microsoft.com/office/drawing/2014/main" id="{75B7804C-8A38-47E3-9BCA-EC5B730AD38E}"/>
+              </a:ext>
+            </a:extLst>
+          </p:cNvPr>
+          <p:cNvSpPr>
+            <a:spLocks noGrp="1"/>
+          </p:cNvSpPr>
+          <p:nvPr>
+            <p:ph idx="1"/>
+          </p:nvPr>
+        </p:nvSpPr>
+        <p:spPr>
+          <a:xfrm>
+            <a:off x="838200" y="721453"/>
+            <a:ext cx="10515600" cy="5455510"/>
+          </a:xfrm>
+        </p:spPr>
+        <p:txBody>
+          <a:bodyPr>
+            <a:normAutofit/>
+          </a:bodyPr>
+          <a:lstStyle/>
+          <a:p>
+            <a:r>
+              <a:rPr lang="en-US" altLang="ko-KR" sz="1800" dirty="0"/>
+              <a:t>1. </a:t>
+            </a:r>
+            <a:r>
+              <a:rPr lang="ko-KR" altLang="en-US" sz="1800" dirty="0"/>
+              <a:t>기본값 </a:t>
+            </a:r>
+            <a:r>
+              <a:rPr lang="en-US" altLang="ko-KR" sz="1800" dirty="0"/>
+              <a:t>(primary key)id, varchar(255) </a:t>
+            </a:r>
+            <a:r>
+              <a:rPr lang="ko-KR" altLang="en-US" sz="1800" dirty="0"/>
+              <a:t>타입의 </a:t>
+            </a:r>
+            <a:r>
+              <a:rPr lang="en-US" altLang="ko-KR" sz="1800" dirty="0"/>
+              <a:t>name</a:t>
+            </a:r>
+            <a:r>
+              <a:rPr lang="ko-KR" altLang="en-US" sz="1800" dirty="0"/>
+              <a:t>을 갖는 </a:t>
+            </a:r>
+            <a:r>
+              <a:rPr lang="en-US" altLang="ko-KR" sz="1800" dirty="0" err="1"/>
+              <a:t>newbook</a:t>
+            </a:r>
+            <a:r>
+              <a:rPr lang="en-US" altLang="ko-KR" sz="1800" dirty="0"/>
+              <a:t> </a:t>
+            </a:r>
+            <a:r>
+              <a:rPr lang="ko-KR" altLang="en-US" sz="1800" dirty="0"/>
+              <a:t>이라는 테이블을 </a:t>
+            </a:r>
+            <a:r>
+              <a:rPr lang="ko-KR" altLang="en-US" sz="1800" dirty="0" err="1"/>
+              <a:t>만드시오</a:t>
+            </a:r>
+            <a:endParaRPr lang="en-US" altLang="ko-KR" sz="1800" dirty="0"/>
+          </a:p>
+          <a:p>
+            <a:r>
+              <a:rPr lang="en-US" altLang="ko-KR" sz="1800" dirty="0"/>
+              <a:t> -price</a:t>
+            </a:r>
+            <a:r>
+              <a:rPr lang="ko-KR" altLang="en-US" sz="1800" dirty="0"/>
+              <a:t>를 </a:t>
+            </a:r>
+            <a:r>
+              <a:rPr lang="en-US" altLang="ko-KR" sz="1800" dirty="0"/>
+              <a:t>(varchar(255))</a:t>
+            </a:r>
+            <a:r>
+              <a:rPr lang="ko-KR" altLang="en-US" sz="1800" dirty="0"/>
+              <a:t>로 </a:t>
+            </a:r>
+            <a:r>
+              <a:rPr lang="ko-KR" altLang="en-US" sz="1800" dirty="0" err="1"/>
+              <a:t>추가하시오</a:t>
+            </a:r>
+            <a:endParaRPr lang="en-US" altLang="ko-KR" sz="1800" dirty="0"/>
+          </a:p>
+          <a:p>
+            <a:r>
+              <a:rPr lang="en-US" altLang="ko-KR" sz="1800" dirty="0"/>
+              <a:t> -price</a:t>
+            </a:r>
+            <a:r>
+              <a:rPr lang="ko-KR" altLang="en-US" sz="1800" dirty="0"/>
+              <a:t>의 타입을 </a:t>
+            </a:r>
+            <a:r>
+              <a:rPr lang="en-US" altLang="ko-KR" sz="1800" dirty="0"/>
+              <a:t>number </a:t>
+            </a:r>
+            <a:r>
+              <a:rPr lang="ko-KR" altLang="en-US" sz="1800" dirty="0"/>
+              <a:t>타입으로 </a:t>
+            </a:r>
+            <a:r>
+              <a:rPr lang="ko-KR" altLang="en-US" sz="1800" dirty="0" err="1"/>
+              <a:t>변경하시오</a:t>
+            </a:r>
+            <a:r>
+              <a:rPr lang="en-US" altLang="ko-KR" sz="1800" dirty="0"/>
+              <a:t>.</a:t>
+            </a:r>
+          </a:p>
+          <a:p>
+            <a:r>
+              <a:rPr lang="en-US" altLang="ko-KR" sz="1800" dirty="0"/>
+              <a:t> -price </a:t>
+            </a:r>
+            <a:r>
+              <a:rPr lang="ko-KR" altLang="en-US" sz="1800" dirty="0"/>
+              <a:t>를 삭제 </a:t>
+            </a:r>
+            <a:r>
+              <a:rPr lang="ko-KR" altLang="en-US" sz="1800" dirty="0" err="1"/>
+              <a:t>하시오</a:t>
+            </a:r>
+            <a:r>
+              <a:rPr lang="en-US" altLang="ko-KR" sz="1800" dirty="0"/>
+              <a:t>.</a:t>
+            </a:r>
+          </a:p>
+          <a:p>
+            <a:r>
+              <a:rPr lang="en-US" altLang="ko-KR" sz="1800" dirty="0"/>
+              <a:t> -price</a:t>
+            </a:r>
+            <a:r>
+              <a:rPr lang="ko-KR" altLang="en-US" sz="1800" dirty="0"/>
+              <a:t>를 </a:t>
+            </a:r>
+            <a:r>
+              <a:rPr lang="en-US" altLang="ko-KR" sz="1800" dirty="0"/>
+              <a:t>name </a:t>
+            </a:r>
+            <a:r>
+              <a:rPr lang="ko-KR" altLang="en-US" sz="1800" dirty="0" err="1"/>
+              <a:t>컬럼앞에</a:t>
+            </a:r>
+            <a:r>
+              <a:rPr lang="ko-KR" altLang="en-US" sz="1800" dirty="0"/>
+              <a:t> </a:t>
+            </a:r>
+            <a:r>
+              <a:rPr lang="en-US" altLang="ko-KR" sz="1800" dirty="0"/>
+              <a:t>number</a:t>
+            </a:r>
+            <a:r>
+              <a:rPr lang="ko-KR" altLang="en-US" sz="1800" dirty="0"/>
+              <a:t>타입으로 </a:t>
+            </a:r>
+            <a:r>
+              <a:rPr lang="ko-KR" altLang="en-US" sz="1800" dirty="0" err="1"/>
+              <a:t>추가하시오</a:t>
+            </a:r>
+            <a:r>
+              <a:rPr lang="en-US" altLang="ko-KR" sz="1800" dirty="0"/>
+              <a:t>.</a:t>
+            </a:r>
+          </a:p>
+          <a:p>
+            <a:r>
+              <a:rPr lang="en-US" altLang="ko-KR" sz="1800" dirty="0"/>
+              <a:t> -price</a:t>
+            </a:r>
+            <a:r>
+              <a:rPr lang="ko-KR" altLang="en-US" sz="1800" dirty="0"/>
+              <a:t> 에 </a:t>
+            </a:r>
+            <a:r>
+              <a:rPr lang="en-US" altLang="ko-KR" sz="1800" dirty="0"/>
+              <a:t>not null</a:t>
+            </a:r>
+            <a:r>
+              <a:rPr lang="ko-KR" altLang="en-US" sz="1800" dirty="0"/>
+              <a:t> 제약 조건을 </a:t>
+            </a:r>
+            <a:r>
+              <a:rPr lang="ko-KR" altLang="en-US" sz="1800" dirty="0" err="1"/>
+              <a:t>거시오</a:t>
+            </a:r>
+            <a:r>
+              <a:rPr lang="en-US" altLang="ko-KR" sz="1800" dirty="0"/>
+              <a:t>.</a:t>
+            </a:r>
+          </a:p>
+        </p:txBody>
+      </p:sp>
+    </p:spTree>
+    <p:extLst>
+      <p:ext uri="{BB962C8B-B14F-4D97-AF65-F5344CB8AC3E}">
+        <p14:creationId xmlns:p14="http://schemas.microsoft.com/office/powerpoint/2010/main" val="2741772826"/>
       </p:ext>
     </p:extLst>
   </p:cSld>
